--- a/assets/lectures/cshl/2020/mini/RNASeq_MiniLecture_02_04_alignmentQC.pptx
+++ b/assets/lectures/cshl/2020/mini/RNASeq_MiniLecture_02_04_alignmentQC.pptx
@@ -517,14 +517,14 @@
           </a:ln>
           <a:extLst>
             <a:ext uri="{909E8E84-426E-40dd-AFC4-6F175D3DCCD1}">
-              <a14:hiddenFill xmlns:a14="http://schemas.microsoft.com/office/drawing/2010/main" xmlns="">
+              <a14:hiddenFill xmlns="" xmlns:a14="http://schemas.microsoft.com/office/drawing/2010/main">
                 <a:solidFill>
                   <a:srgbClr val="FFFFFF"/>
                 </a:solidFill>
               </a14:hiddenFill>
             </a:ext>
             <a:ext uri="{FAA26D3D-D897-4be2-8F04-BA451C77F1D7}">
-              <ma14:placeholderFlag xmlns:ma14="http://schemas.microsoft.com/office/mac/drawingml/2011/main" xmlns="" val="1"/>
+              <ma14:placeholderFlag xmlns="" xmlns:ma14="http://schemas.microsoft.com/office/mac/drawingml/2011/main" val="1"/>
             </a:ext>
           </a:extLst>
         </p:spPr>
@@ -543,14 +543,14 @@
           <a:noFill/>
           <a:extLst>
             <a:ext uri="{909E8E84-426E-40dd-AFC4-6F175D3DCCD1}">
-              <a14:hiddenFill xmlns:a14="http://schemas.microsoft.com/office/drawing/2010/main" xmlns="">
+              <a14:hiddenFill xmlns="" xmlns:a14="http://schemas.microsoft.com/office/drawing/2010/main">
                 <a:solidFill>
                   <a:srgbClr val="FFFFFF"/>
                 </a:solidFill>
               </a14:hiddenFill>
             </a:ext>
             <a:ext uri="{91240B29-F687-4f45-9708-019B960494DF}">
-              <a14:hiddenLine xmlns:a14="http://schemas.microsoft.com/office/drawing/2010/main" xmlns="" w="9525">
+              <a14:hiddenLine xmlns="" xmlns:a14="http://schemas.microsoft.com/office/drawing/2010/main" w="9525">
                 <a:solidFill>
                   <a:srgbClr val="000000"/>
                 </a:solidFill>
@@ -560,7 +560,7 @@
               </a14:hiddenLine>
             </a:ext>
             <a:ext uri="{FAA26D3D-D897-4be2-8F04-BA451C77F1D7}">
-              <ma14:placeholderFlag xmlns:ma14="http://schemas.microsoft.com/office/mac/drawingml/2011/main" xmlns="" val="1"/>
+              <ma14:placeholderFlag xmlns="" xmlns:ma14="http://schemas.microsoft.com/office/mac/drawingml/2011/main" val="1"/>
             </a:ext>
           </a:extLst>
         </p:spPr>
@@ -594,14 +594,14 @@
           <a:noFill/>
           <a:extLst>
             <a:ext uri="{909E8E84-426E-40dd-AFC4-6F175D3DCCD1}">
-              <a14:hiddenFill xmlns:a14="http://schemas.microsoft.com/office/drawing/2010/main" xmlns="">
+              <a14:hiddenFill xmlns="" xmlns:a14="http://schemas.microsoft.com/office/drawing/2010/main">
                 <a:solidFill>
                   <a:srgbClr val="FFFFFF"/>
                 </a:solidFill>
               </a14:hiddenFill>
             </a:ext>
             <a:ext uri="{91240B29-F687-4f45-9708-019B960494DF}">
-              <a14:hiddenLine xmlns:a14="http://schemas.microsoft.com/office/drawing/2010/main" xmlns="" w="9525">
+              <a14:hiddenLine xmlns="" xmlns:a14="http://schemas.microsoft.com/office/drawing/2010/main" w="9525">
                 <a:solidFill>
                   <a:srgbClr val="000000"/>
                 </a:solidFill>
@@ -1196,14 +1196,14 @@
           </a:ln>
           <a:extLst>
             <a:ext uri="{909E8E84-426E-40dd-AFC4-6F175D3DCCD1}">
-              <a14:hiddenFill xmlns:a14="http://schemas.microsoft.com/office/drawing/2010/main" xmlns="">
+              <a14:hiddenFill xmlns="" xmlns:a14="http://schemas.microsoft.com/office/drawing/2010/main">
                 <a:solidFill>
                   <a:srgbClr val="FFFFFF"/>
                 </a:solidFill>
               </a14:hiddenFill>
             </a:ext>
             <a:ext uri="{91240B29-F687-4f45-9708-019B960494DF}">
-              <a14:hiddenLine xmlns:a14="http://schemas.microsoft.com/office/drawing/2010/main" xmlns="" w="9525">
+              <a14:hiddenLine xmlns="" xmlns:a14="http://schemas.microsoft.com/office/drawing/2010/main" w="9525">
                 <a:solidFill>
                   <a:srgbClr val="000000"/>
                 </a:solidFill>
@@ -1698,14 +1698,14 @@
           </a:ln>
           <a:extLst>
             <a:ext uri="{909E8E84-426E-40dd-AFC4-6F175D3DCCD1}">
-              <a14:hiddenFill xmlns:a14="http://schemas.microsoft.com/office/drawing/2010/main" xmlns="">
+              <a14:hiddenFill xmlns="" xmlns:a14="http://schemas.microsoft.com/office/drawing/2010/main">
                 <a:solidFill>
                   <a:srgbClr val="FFFFFF"/>
                 </a:solidFill>
               </a14:hiddenFill>
             </a:ext>
             <a:ext uri="{91240B29-F687-4f45-9708-019B960494DF}">
-              <a14:hiddenLine xmlns:a14="http://schemas.microsoft.com/office/drawing/2010/main" xmlns="" w="9525">
+              <a14:hiddenLine xmlns="" xmlns:a14="http://schemas.microsoft.com/office/drawing/2010/main" w="9525">
                 <a:solidFill>
                   <a:srgbClr val="000000"/>
                 </a:solidFill>
@@ -3423,14 +3423,14 @@
           </a:ln>
           <a:extLst>
             <a:ext uri="{909E8E84-426E-40dd-AFC4-6F175D3DCCD1}">
-              <a14:hiddenFill xmlns="" xmlns:a14="http://schemas.microsoft.com/office/drawing/2010/main">
+              <a14:hiddenFill xmlns:a14="http://schemas.microsoft.com/office/drawing/2010/main" xmlns="">
                 <a:solidFill>
                   <a:srgbClr val="FFFFFF"/>
                 </a:solidFill>
               </a14:hiddenFill>
             </a:ext>
             <a:ext uri="{91240B29-F687-4f45-9708-019B960494DF}">
-              <a14:hiddenLine xmlns="" xmlns:a14="http://schemas.microsoft.com/office/drawing/2010/main" w="9525">
+              <a14:hiddenLine xmlns:a14="http://schemas.microsoft.com/office/drawing/2010/main" xmlns="" w="9525">
                 <a:solidFill>
                   <a:srgbClr val="000000"/>
                 </a:solidFill>
@@ -4194,114 +4194,6 @@
       </p:sp>
       <p:sp>
         <p:nvSpPr>
-          <p:cNvPr id="10" name="Title 1">
-            <a:extLst>
-              <a:ext uri="{FF2B5EF4-FFF2-40B4-BE49-F238E27FC236}">
-                <a16:creationId xmlns:a16="http://schemas.microsoft.com/office/drawing/2014/main" id="{8E6BA5B3-5552-CC4F-B3B5-75C37ACA5630}"/>
-              </a:ext>
-            </a:extLst>
-          </p:cNvPr>
-          <p:cNvSpPr txBox="1">
-            <a:spLocks/>
-          </p:cNvSpPr>
-          <p:nvPr/>
-        </p:nvSpPr>
-        <p:spPr>
-          <a:xfrm>
-            <a:off x="5879976" y="1219199"/>
-            <a:ext cx="6235824" cy="1161346"/>
-          </a:xfrm>
-          <a:prstGeom prst="rect">
-            <a:avLst/>
-          </a:prstGeom>
-        </p:spPr>
-        <p:txBody>
-          <a:bodyPr anchor="ctr"/>
-          <a:lstStyle>
-            <a:lvl1pPr algn="r">
-              <a:defRPr sz="3200" baseline="0">
-                <a:solidFill>
-                  <a:schemeClr val="bg1"/>
-                </a:solidFill>
-                <a:latin typeface="Adobe Jenson Pro" pitchFamily="18" charset="0"/>
-              </a:defRPr>
-            </a:lvl1pPr>
-          </a:lstStyle>
-          <a:p>
-            <a:pPr>
-              <a:defRPr/>
-            </a:pPr>
-            <a:r>
-              <a:rPr lang="en-US" sz="1800" dirty="0">
-                <a:latin typeface="Calibri"/>
-                <a:cs typeface="Calibri"/>
-              </a:rPr>
-              <a:t>Kelsy Cotto, Felicia Gomez, Obi Griffith, Malachi Griffith, </a:t>
-            </a:r>
-          </a:p>
-          <a:p>
-            <a:pPr>
-              <a:defRPr/>
-            </a:pPr>
-            <a:r>
-              <a:rPr lang="en-US" sz="1800" dirty="0">
-                <a:latin typeface="Calibri"/>
-                <a:cs typeface="Calibri"/>
-              </a:rPr>
-              <a:t>Allegra Petti, Megan </a:t>
-            </a:r>
-            <a:r>
-              <a:rPr lang="en-US" sz="1800" dirty="0" err="1">
-                <a:latin typeface="Calibri"/>
-                <a:cs typeface="Calibri"/>
-              </a:rPr>
-              <a:t>Richters</a:t>
-            </a:r>
-            <a:r>
-              <a:rPr lang="en-US" sz="1800" dirty="0">
-                <a:latin typeface="Calibri"/>
-                <a:cs typeface="Calibri"/>
-              </a:rPr>
-              <a:t>, Huiming Xia</a:t>
-            </a:r>
-          </a:p>
-          <a:p>
-            <a:pPr>
-              <a:defRPr/>
-            </a:pPr>
-            <a:r>
-              <a:rPr lang="en-US" sz="1800" dirty="0">
-                <a:ln w="1270">
-                  <a:solidFill>
-                    <a:schemeClr val="tx1">
-                      <a:alpha val="38000"/>
-                    </a:schemeClr>
-                  </a:solidFill>
-                </a:ln>
-                <a:latin typeface="Calibri"/>
-                <a:cs typeface="Calibri"/>
-              </a:rPr>
-              <a:t>Advanced Sequencing Technologies &amp; Bioinformatics Analysis </a:t>
-            </a:r>
-            <a:r>
-              <a:rPr lang="en-US" sz="1600" dirty="0">
-                <a:ln w="1270">
-                  <a:solidFill>
-                    <a:schemeClr val="tx1">
-                      <a:alpha val="38000"/>
-                    </a:schemeClr>
-                  </a:solidFill>
-                </a:ln>
-                <a:latin typeface="Calibri"/>
-                <a:cs typeface="Calibri"/>
-              </a:rPr>
-              <a:t>November 16-20, 2020</a:t>
-            </a:r>
-          </a:p>
-        </p:txBody>
-      </p:sp>
-      <p:sp>
-        <p:nvSpPr>
           <p:cNvPr id="16" name="Rectangle 15">
             <a:extLst>
               <a:ext uri="{FF2B5EF4-FFF2-40B4-BE49-F238E27FC236}">
@@ -4432,14 +4324,14 @@
           </a:ln>
           <a:extLst>
             <a:ext uri="{909E8E84-426E-40dd-AFC4-6F175D3DCCD1}">
-              <a14:hiddenFill xmlns="" xmlns:a14="http://schemas.microsoft.com/office/drawing/2010/main">
+              <a14:hiddenFill xmlns:a14="http://schemas.microsoft.com/office/drawing/2010/main" xmlns="">
                 <a:solidFill>
                   <a:srgbClr val="FFFFFF"/>
                 </a:solidFill>
               </a14:hiddenFill>
             </a:ext>
             <a:ext uri="{91240B29-F687-4f45-9708-019B960494DF}">
-              <a14:hiddenLine xmlns="" xmlns:a14="http://schemas.microsoft.com/office/drawing/2010/main" w="9525">
+              <a14:hiddenLine xmlns:a14="http://schemas.microsoft.com/office/drawing/2010/main" xmlns="" w="9525">
                 <a:solidFill>
                   <a:srgbClr val="000000"/>
                 </a:solidFill>
@@ -4487,6 +4379,128 @@
           </a:prstGeom>
         </p:spPr>
       </p:pic>
+      <p:sp>
+        <p:nvSpPr>
+          <p:cNvPr id="8" name="Title 1">
+            <a:extLst>
+              <a:ext uri="{FF2B5EF4-FFF2-40B4-BE49-F238E27FC236}">
+                <a16:creationId xmlns:a16="http://schemas.microsoft.com/office/drawing/2014/main" id="{493886BF-5850-7D4C-B178-23B790143D2E}"/>
+              </a:ext>
+            </a:extLst>
+          </p:cNvPr>
+          <p:cNvSpPr txBox="1">
+            <a:spLocks/>
+          </p:cNvSpPr>
+          <p:nvPr/>
+        </p:nvSpPr>
+        <p:spPr>
+          <a:xfrm>
+            <a:off x="3647728" y="1219199"/>
+            <a:ext cx="8468072" cy="1161346"/>
+          </a:xfrm>
+          <a:prstGeom prst="rect">
+            <a:avLst/>
+          </a:prstGeom>
+        </p:spPr>
+        <p:txBody>
+          <a:bodyPr anchor="ctr"/>
+          <a:lstStyle>
+            <a:lvl1pPr algn="r">
+              <a:defRPr sz="3200" baseline="0">
+                <a:solidFill>
+                  <a:schemeClr val="bg1"/>
+                </a:solidFill>
+                <a:latin typeface="Adobe Jenson Pro" pitchFamily="18" charset="0"/>
+              </a:defRPr>
+            </a:lvl1pPr>
+          </a:lstStyle>
+          <a:p>
+            <a:pPr>
+              <a:defRPr/>
+            </a:pPr>
+            <a:r>
+              <a:rPr lang="en-US" sz="1800" dirty="0">
+                <a:latin typeface="Calibri"/>
+                <a:cs typeface="Calibri"/>
+              </a:rPr>
+              <a:t>John Chamberlin, </a:t>
+            </a:r>
+            <a:r>
+              <a:rPr lang="en-US" sz="1800" dirty="0" err="1">
+                <a:latin typeface="Calibri"/>
+                <a:cs typeface="Calibri"/>
+              </a:rPr>
+              <a:t>Kelsy</a:t>
+            </a:r>
+            <a:r>
+              <a:rPr lang="en-US" sz="1800" dirty="0">
+                <a:latin typeface="Calibri"/>
+                <a:cs typeface="Calibri"/>
+              </a:rPr>
+              <a:t> Cotto, Felicia Gomez, Obi Griffith, Malachi Griffith, </a:t>
+            </a:r>
+          </a:p>
+          <a:p>
+            <a:pPr>
+              <a:defRPr/>
+            </a:pPr>
+            <a:r>
+              <a:rPr lang="en-US" sz="1800" dirty="0">
+                <a:latin typeface="Calibri"/>
+                <a:cs typeface="Calibri"/>
+              </a:rPr>
+              <a:t>Simone Longo, Allegra Petti, Aaron Quinlan, Megan </a:t>
+            </a:r>
+            <a:r>
+              <a:rPr lang="en-US" sz="1800" dirty="0" err="1">
+                <a:latin typeface="Calibri"/>
+                <a:cs typeface="Calibri"/>
+              </a:rPr>
+              <a:t>Richters</a:t>
+            </a:r>
+            <a:r>
+              <a:rPr lang="en-US" sz="1800" dirty="0">
+                <a:latin typeface="Calibri"/>
+                <a:cs typeface="Calibri"/>
+              </a:rPr>
+              <a:t>, Huiming Xia</a:t>
+            </a:r>
+          </a:p>
+          <a:p>
+            <a:pPr>
+              <a:defRPr/>
+            </a:pPr>
+            <a:r>
+              <a:rPr lang="en-US" sz="1800" dirty="0">
+                <a:ln w="1270">
+                  <a:solidFill>
+                    <a:schemeClr val="tx1">
+                      <a:alpha val="38000"/>
+                    </a:schemeClr>
+                  </a:solidFill>
+                </a:ln>
+                <a:latin typeface="Calibri"/>
+                <a:cs typeface="Calibri"/>
+              </a:rPr>
+              <a:t>Advanced Sequencing Technologies &amp; Bioinformatics Analysis </a:t>
+            </a:r>
+            <a:r>
+              <a:rPr lang="en-US" sz="1600" dirty="0">
+                <a:ln w="1270">
+                  <a:solidFill>
+                    <a:schemeClr val="tx1">
+                      <a:alpha val="38000"/>
+                    </a:schemeClr>
+                  </a:solidFill>
+                </a:ln>
+                <a:latin typeface="Calibri"/>
+                <a:cs typeface="Calibri"/>
+              </a:rPr>
+              <a:t>November 16-20, 2020</a:t>
+            </a:r>
+          </a:p>
+        </p:txBody>
+      </p:sp>
     </p:spTree>
     <p:extLst>
       <p:ext uri="{BB962C8B-B14F-4D97-AF65-F5344CB8AC3E}">
@@ -4694,7 +4708,7 @@
           <a:effectLst/>
           <a:extLst>
             <a:ext uri="{909E8E84-426E-40dd-AFC4-6F175D3DCCD1}">
-              <a14:hiddenFill xmlns="" xmlns:a14="http://schemas.microsoft.com/office/drawing/2010/main">
+              <a14:hiddenFill xmlns:a14="http://schemas.microsoft.com/office/drawing/2010/main" xmlns="">
                 <a:blipFill dpi="0" rotWithShape="0">
                   <a:blip/>
                   <a:srcRect/>
@@ -4705,7 +4719,7 @@
               </a14:hiddenFill>
             </a:ext>
             <a:ext uri="{91240B29-F687-4f45-9708-019B960494DF}">
-              <a14:hiddenLine xmlns="" xmlns:a14="http://schemas.microsoft.com/office/drawing/2010/main" w="9525" cap="flat">
+              <a14:hiddenLine xmlns:a14="http://schemas.microsoft.com/office/drawing/2010/main" xmlns="" w="9525" cap="flat">
                 <a:solidFill>
                   <a:srgbClr val="3465A4"/>
                 </a:solidFill>
@@ -4715,7 +4729,7 @@
               </a14:hiddenLine>
             </a:ext>
             <a:ext uri="{AF507438-7753-43e0-B8FC-AC1667EBCBE1}">
-              <a14:hiddenEffects xmlns="" xmlns:a14="http://schemas.microsoft.com/office/drawing/2010/main">
+              <a14:hiddenEffects xmlns:a14="http://schemas.microsoft.com/office/drawing/2010/main" xmlns="">
                 <a:effectLst>
                   <a:outerShdw blurRad="63500" dist="38099" dir="2700000" algn="ctr" rotWithShape="0">
                     <a:srgbClr val="000000">
@@ -4813,14 +4827,14 @@
           <a:effectLst/>
           <a:extLst>
             <a:ext uri="{909E8E84-426E-40dd-AFC4-6F175D3DCCD1}">
-              <a14:hiddenFill xmlns="" xmlns:a14="http://schemas.microsoft.com/office/drawing/2010/main">
+              <a14:hiddenFill xmlns:a14="http://schemas.microsoft.com/office/drawing/2010/main" xmlns="">
                 <a:solidFill>
                   <a:srgbClr val="FFFFFF"/>
                 </a:solidFill>
               </a14:hiddenFill>
             </a:ext>
             <a:ext uri="{91240B29-F687-4f45-9708-019B960494DF}">
-              <a14:hiddenLine xmlns="" xmlns:a14="http://schemas.microsoft.com/office/drawing/2010/main" w="9525" cap="flat">
+              <a14:hiddenLine xmlns:a14="http://schemas.microsoft.com/office/drawing/2010/main" xmlns="" w="9525" cap="flat">
                 <a:solidFill>
                   <a:srgbClr val="000000"/>
                 </a:solidFill>
@@ -4830,7 +4844,7 @@
               </a14:hiddenLine>
             </a:ext>
             <a:ext uri="{AF507438-7753-43e0-B8FC-AC1667EBCBE1}">
-              <a14:hiddenEffects xmlns="" xmlns:a14="http://schemas.microsoft.com/office/drawing/2010/main">
+              <a14:hiddenEffects xmlns:a14="http://schemas.microsoft.com/office/drawing/2010/main" xmlns="">
                 <a:effectLst>
                   <a:outerShdw blurRad="63500" dist="38099" dir="2700000" algn="ctr" rotWithShape="0">
                     <a:srgbClr val="000000">
@@ -5244,7 +5258,7 @@
           <a:effectLst/>
           <a:extLst>
             <a:ext uri="{909E8E84-426E-40dd-AFC4-6F175D3DCCD1}">
-              <a14:hiddenFill xmlns="" xmlns:a14="http://schemas.microsoft.com/office/drawing/2010/main">
+              <a14:hiddenFill xmlns:a14="http://schemas.microsoft.com/office/drawing/2010/main" xmlns="">
                 <a:blipFill dpi="0" rotWithShape="0">
                   <a:blip/>
                   <a:srcRect/>
@@ -5255,7 +5269,7 @@
               </a14:hiddenFill>
             </a:ext>
             <a:ext uri="{91240B29-F687-4f45-9708-019B960494DF}">
-              <a14:hiddenLine xmlns="" xmlns:a14="http://schemas.microsoft.com/office/drawing/2010/main" w="9525" cap="flat">
+              <a14:hiddenLine xmlns:a14="http://schemas.microsoft.com/office/drawing/2010/main" xmlns="" w="9525" cap="flat">
                 <a:solidFill>
                   <a:srgbClr val="3465A4"/>
                 </a:solidFill>
@@ -5265,7 +5279,7 @@
               </a14:hiddenLine>
             </a:ext>
             <a:ext uri="{AF507438-7753-43e0-B8FC-AC1667EBCBE1}">
-              <a14:hiddenEffects xmlns="" xmlns:a14="http://schemas.microsoft.com/office/drawing/2010/main">
+              <a14:hiddenEffects xmlns:a14="http://schemas.microsoft.com/office/drawing/2010/main" xmlns="">
                 <a:effectLst>
                   <a:outerShdw blurRad="63500" dist="38099" dir="2700000" algn="ctr" rotWithShape="0">
                     <a:srgbClr val="000000">
@@ -5320,7 +5334,7 @@
           <a:effectLst/>
           <a:extLst>
             <a:ext uri="{909E8E84-426E-40dd-AFC4-6F175D3DCCD1}">
-              <a14:hiddenFill xmlns="" xmlns:a14="http://schemas.microsoft.com/office/drawing/2010/main">
+              <a14:hiddenFill xmlns:a14="http://schemas.microsoft.com/office/drawing/2010/main" xmlns="">
                 <a:blipFill dpi="0" rotWithShape="0">
                   <a:blip/>
                   <a:srcRect/>
@@ -5331,7 +5345,7 @@
               </a14:hiddenFill>
             </a:ext>
             <a:ext uri="{91240B29-F687-4f45-9708-019B960494DF}">
-              <a14:hiddenLine xmlns="" xmlns:a14="http://schemas.microsoft.com/office/drawing/2010/main" w="9525" cap="flat">
+              <a14:hiddenLine xmlns:a14="http://schemas.microsoft.com/office/drawing/2010/main" xmlns="" w="9525" cap="flat">
                 <a:solidFill>
                   <a:srgbClr val="3465A4"/>
                 </a:solidFill>
@@ -5341,7 +5355,7 @@
               </a14:hiddenLine>
             </a:ext>
             <a:ext uri="{AF507438-7753-43e0-B8FC-AC1667EBCBE1}">
-              <a14:hiddenEffects xmlns="" xmlns:a14="http://schemas.microsoft.com/office/drawing/2010/main">
+              <a14:hiddenEffects xmlns:a14="http://schemas.microsoft.com/office/drawing/2010/main" xmlns="">
                 <a:effectLst>
                   <a:outerShdw blurRad="63500" dist="38099" dir="2700000" algn="ctr" rotWithShape="0">
                     <a:srgbClr val="000000">
@@ -5383,14 +5397,14 @@
           <a:effectLst/>
           <a:extLst>
             <a:ext uri="{909E8E84-426E-40dd-AFC4-6F175D3DCCD1}">
-              <a14:hiddenFill xmlns="" xmlns:a14="http://schemas.microsoft.com/office/drawing/2010/main">
+              <a14:hiddenFill xmlns:a14="http://schemas.microsoft.com/office/drawing/2010/main" xmlns="">
                 <a:solidFill>
                   <a:srgbClr val="FFFFFF"/>
                 </a:solidFill>
               </a14:hiddenFill>
             </a:ext>
             <a:ext uri="{91240B29-F687-4f45-9708-019B960494DF}">
-              <a14:hiddenLine xmlns="" xmlns:a14="http://schemas.microsoft.com/office/drawing/2010/main" w="9525" cap="flat">
+              <a14:hiddenLine xmlns:a14="http://schemas.microsoft.com/office/drawing/2010/main" xmlns="" w="9525" cap="flat">
                 <a:solidFill>
                   <a:srgbClr val="000000"/>
                 </a:solidFill>
@@ -5400,7 +5414,7 @@
               </a14:hiddenLine>
             </a:ext>
             <a:ext uri="{AF507438-7753-43e0-B8FC-AC1667EBCBE1}">
-              <a14:hiddenEffects xmlns="" xmlns:a14="http://schemas.microsoft.com/office/drawing/2010/main">
+              <a14:hiddenEffects xmlns:a14="http://schemas.microsoft.com/office/drawing/2010/main" xmlns="">
                 <a:effectLst>
                   <a:outerShdw blurRad="63500" dist="38099" dir="2700000" algn="ctr" rotWithShape="0">
                     <a:srgbClr val="000000">
@@ -5661,14 +5675,14 @@
           <a:effectLst/>
           <a:extLst>
             <a:ext uri="{909E8E84-426E-40dd-AFC4-6F175D3DCCD1}">
-              <a14:hiddenFill xmlns="" xmlns:a14="http://schemas.microsoft.com/office/drawing/2010/main">
+              <a14:hiddenFill xmlns:a14="http://schemas.microsoft.com/office/drawing/2010/main" xmlns="">
                 <a:solidFill>
                   <a:srgbClr val="FFFFFF"/>
                 </a:solidFill>
               </a14:hiddenFill>
             </a:ext>
             <a:ext uri="{91240B29-F687-4f45-9708-019B960494DF}">
-              <a14:hiddenLine xmlns="" xmlns:a14="http://schemas.microsoft.com/office/drawing/2010/main" w="9525" cap="flat">
+              <a14:hiddenLine xmlns:a14="http://schemas.microsoft.com/office/drawing/2010/main" xmlns="" w="9525" cap="flat">
                 <a:solidFill>
                   <a:srgbClr val="000000"/>
                 </a:solidFill>
@@ -5678,7 +5692,7 @@
               </a14:hiddenLine>
             </a:ext>
             <a:ext uri="{AF507438-7753-43e0-B8FC-AC1667EBCBE1}">
-              <a14:hiddenEffects xmlns="" xmlns:a14="http://schemas.microsoft.com/office/drawing/2010/main">
+              <a14:hiddenEffects xmlns:a14="http://schemas.microsoft.com/office/drawing/2010/main" xmlns="">
                 <a:effectLst>
                   <a:outerShdw blurRad="63500" dist="38099" dir="2700000" algn="ctr" rotWithShape="0">
                     <a:srgbClr val="000000">
@@ -5985,7 +5999,7 @@
           <a:effectLst/>
           <a:extLst>
             <a:ext uri="{909E8E84-426E-40dd-AFC4-6F175D3DCCD1}">
-              <a14:hiddenFill xmlns:a14="http://schemas.microsoft.com/office/drawing/2010/main" xmlns="">
+              <a14:hiddenFill xmlns="" xmlns:a14="http://schemas.microsoft.com/office/drawing/2010/main">
                 <a:blipFill dpi="0" rotWithShape="0">
                   <a:blip/>
                   <a:srcRect/>
@@ -5996,7 +6010,7 @@
               </a14:hiddenFill>
             </a:ext>
             <a:ext uri="{91240B29-F687-4f45-9708-019B960494DF}">
-              <a14:hiddenLine xmlns:a14="http://schemas.microsoft.com/office/drawing/2010/main" xmlns="" w="9525" cap="flat">
+              <a14:hiddenLine xmlns="" xmlns:a14="http://schemas.microsoft.com/office/drawing/2010/main" w="9525" cap="flat">
                 <a:solidFill>
                   <a:srgbClr val="3465A4"/>
                 </a:solidFill>
@@ -6006,7 +6020,7 @@
               </a14:hiddenLine>
             </a:ext>
             <a:ext uri="{AF507438-7753-43e0-B8FC-AC1667EBCBE1}">
-              <a14:hiddenEffects xmlns:a14="http://schemas.microsoft.com/office/drawing/2010/main" xmlns="">
+              <a14:hiddenEffects xmlns="" xmlns:a14="http://schemas.microsoft.com/office/drawing/2010/main">
                 <a:effectLst>
                   <a:outerShdw blurRad="63500" dist="38099" dir="2700000" algn="ctr" rotWithShape="0">
                     <a:srgbClr val="000000">
@@ -6055,7 +6069,7 @@
           <a:effectLst/>
           <a:extLst>
             <a:ext uri="{909E8E84-426E-40dd-AFC4-6F175D3DCCD1}">
-              <a14:hiddenFill xmlns:a14="http://schemas.microsoft.com/office/drawing/2010/main" xmlns="">
+              <a14:hiddenFill xmlns="" xmlns:a14="http://schemas.microsoft.com/office/drawing/2010/main">
                 <a:blipFill dpi="0" rotWithShape="0">
                   <a:blip/>
                   <a:srcRect/>
@@ -6066,7 +6080,7 @@
               </a14:hiddenFill>
             </a:ext>
             <a:ext uri="{91240B29-F687-4f45-9708-019B960494DF}">
-              <a14:hiddenLine xmlns:a14="http://schemas.microsoft.com/office/drawing/2010/main" xmlns="" w="9525" cap="flat">
+              <a14:hiddenLine xmlns="" xmlns:a14="http://schemas.microsoft.com/office/drawing/2010/main" w="9525" cap="flat">
                 <a:solidFill>
                   <a:srgbClr val="3465A4"/>
                 </a:solidFill>
@@ -6076,7 +6090,7 @@
               </a14:hiddenLine>
             </a:ext>
             <a:ext uri="{AF507438-7753-43e0-B8FC-AC1667EBCBE1}">
-              <a14:hiddenEffects xmlns:a14="http://schemas.microsoft.com/office/drawing/2010/main" xmlns="">
+              <a14:hiddenEffects xmlns="" xmlns:a14="http://schemas.microsoft.com/office/drawing/2010/main">
                 <a:effectLst>
                   <a:outerShdw blurRad="63500" dist="38099" dir="2700000" algn="ctr" rotWithShape="0">
                     <a:srgbClr val="000000">
@@ -6112,14 +6126,14 @@
           <a:effectLst/>
           <a:extLst>
             <a:ext uri="{909E8E84-426E-40dd-AFC4-6F175D3DCCD1}">
-              <a14:hiddenFill xmlns:a14="http://schemas.microsoft.com/office/drawing/2010/main" xmlns="">
+              <a14:hiddenFill xmlns="" xmlns:a14="http://schemas.microsoft.com/office/drawing/2010/main">
                 <a:solidFill>
                   <a:srgbClr val="FFFFFF"/>
                 </a:solidFill>
               </a14:hiddenFill>
             </a:ext>
             <a:ext uri="{91240B29-F687-4f45-9708-019B960494DF}">
-              <a14:hiddenLine xmlns:a14="http://schemas.microsoft.com/office/drawing/2010/main" xmlns="" w="9525" cap="flat">
+              <a14:hiddenLine xmlns="" xmlns:a14="http://schemas.microsoft.com/office/drawing/2010/main" w="9525" cap="flat">
                 <a:solidFill>
                   <a:srgbClr val="000000"/>
                 </a:solidFill>
@@ -6129,7 +6143,7 @@
               </a14:hiddenLine>
             </a:ext>
             <a:ext uri="{AF507438-7753-43e0-B8FC-AC1667EBCBE1}">
-              <a14:hiddenEffects xmlns:a14="http://schemas.microsoft.com/office/drawing/2010/main" xmlns="">
+              <a14:hiddenEffects xmlns="" xmlns:a14="http://schemas.microsoft.com/office/drawing/2010/main">
                 <a:effectLst>
                   <a:outerShdw blurRad="63500" dist="38099" dir="2700000" algn="ctr" rotWithShape="0">
                     <a:srgbClr val="000000">
@@ -6530,7 +6544,7 @@
           <a:effectLst/>
           <a:extLst>
             <a:ext uri="{909E8E84-426E-40dd-AFC4-6F175D3DCCD1}">
-              <a14:hiddenFill xmlns:a14="http://schemas.microsoft.com/office/drawing/2010/main" xmlns="">
+              <a14:hiddenFill xmlns="" xmlns:a14="http://schemas.microsoft.com/office/drawing/2010/main">
                 <a:blipFill dpi="0" rotWithShape="0">
                   <a:blip/>
                   <a:srcRect/>
@@ -6541,7 +6555,7 @@
               </a14:hiddenFill>
             </a:ext>
             <a:ext uri="{91240B29-F687-4f45-9708-019B960494DF}">
-              <a14:hiddenLine xmlns:a14="http://schemas.microsoft.com/office/drawing/2010/main" xmlns="" w="9525" cap="flat">
+              <a14:hiddenLine xmlns="" xmlns:a14="http://schemas.microsoft.com/office/drawing/2010/main" w="9525" cap="flat">
                 <a:solidFill>
                   <a:srgbClr val="3465A4"/>
                 </a:solidFill>
@@ -6551,7 +6565,7 @@
               </a14:hiddenLine>
             </a:ext>
             <a:ext uri="{AF507438-7753-43e0-B8FC-AC1667EBCBE1}">
-              <a14:hiddenEffects xmlns:a14="http://schemas.microsoft.com/office/drawing/2010/main" xmlns="">
+              <a14:hiddenEffects xmlns="" xmlns:a14="http://schemas.microsoft.com/office/drawing/2010/main">
                 <a:effectLst>
                   <a:outerShdw blurRad="63500" dist="38099" dir="2700000" algn="ctr" rotWithShape="0">
                     <a:srgbClr val="000000">
@@ -6587,14 +6601,14 @@
           <a:effectLst/>
           <a:extLst>
             <a:ext uri="{909E8E84-426E-40dd-AFC4-6F175D3DCCD1}">
-              <a14:hiddenFill xmlns:a14="http://schemas.microsoft.com/office/drawing/2010/main" xmlns="">
+              <a14:hiddenFill xmlns="" xmlns:a14="http://schemas.microsoft.com/office/drawing/2010/main">
                 <a:solidFill>
                   <a:srgbClr val="FFFFFF"/>
                 </a:solidFill>
               </a14:hiddenFill>
             </a:ext>
             <a:ext uri="{91240B29-F687-4f45-9708-019B960494DF}">
-              <a14:hiddenLine xmlns:a14="http://schemas.microsoft.com/office/drawing/2010/main" xmlns="" w="9525" cap="flat">
+              <a14:hiddenLine xmlns="" xmlns:a14="http://schemas.microsoft.com/office/drawing/2010/main" w="9525" cap="flat">
                 <a:solidFill>
                   <a:srgbClr val="000000"/>
                 </a:solidFill>
@@ -6604,7 +6618,7 @@
               </a14:hiddenLine>
             </a:ext>
             <a:ext uri="{AF507438-7753-43e0-B8FC-AC1667EBCBE1}">
-              <a14:hiddenEffects xmlns:a14="http://schemas.microsoft.com/office/drawing/2010/main" xmlns="">
+              <a14:hiddenEffects xmlns="" xmlns:a14="http://schemas.microsoft.com/office/drawing/2010/main">
                 <a:effectLst>
                   <a:outerShdw blurRad="63500" dist="38099" dir="2700000" algn="ctr" rotWithShape="0">
                     <a:srgbClr val="000000">
@@ -6887,14 +6901,14 @@
           <a:effectLst/>
           <a:extLst>
             <a:ext uri="{909E8E84-426E-40dd-AFC4-6F175D3DCCD1}">
-              <a14:hiddenFill xmlns:a14="http://schemas.microsoft.com/office/drawing/2010/main" xmlns="">
+              <a14:hiddenFill xmlns="" xmlns:a14="http://schemas.microsoft.com/office/drawing/2010/main">
                 <a:solidFill>
                   <a:srgbClr val="FFFFFF"/>
                 </a:solidFill>
               </a14:hiddenFill>
             </a:ext>
             <a:ext uri="{91240B29-F687-4f45-9708-019B960494DF}">
-              <a14:hiddenLine xmlns:a14="http://schemas.microsoft.com/office/drawing/2010/main" xmlns="" w="9525" cap="flat">
+              <a14:hiddenLine xmlns="" xmlns:a14="http://schemas.microsoft.com/office/drawing/2010/main" w="9525" cap="flat">
                 <a:solidFill>
                   <a:srgbClr val="3465A4"/>
                 </a:solidFill>
@@ -6904,7 +6918,7 @@
               </a14:hiddenLine>
             </a:ext>
             <a:ext uri="{AF507438-7753-43e0-B8FC-AC1667EBCBE1}">
-              <a14:hiddenEffects xmlns:a14="http://schemas.microsoft.com/office/drawing/2010/main" xmlns="">
+              <a14:hiddenEffects xmlns="" xmlns:a14="http://schemas.microsoft.com/office/drawing/2010/main">
                 <a:effectLst>
                   <a:outerShdw blurRad="63500" dist="38099" dir="2700000" algn="ctr" rotWithShape="0">
                     <a:srgbClr val="000000">
@@ -7266,14 +7280,14 @@
           </a:ln>
           <a:extLst>
             <a:ext uri="{909E8E84-426E-40dd-AFC4-6F175D3DCCD1}">
-              <a14:hiddenFill xmlns:a14="http://schemas.microsoft.com/office/drawing/2010/main" xmlns="">
+              <a14:hiddenFill xmlns="" xmlns:a14="http://schemas.microsoft.com/office/drawing/2010/main">
                 <a:solidFill>
                   <a:srgbClr val="FFFFFF"/>
                 </a:solidFill>
               </a14:hiddenFill>
             </a:ext>
             <a:ext uri="{91240B29-F687-4f45-9708-019B960494DF}">
-              <a14:hiddenLine xmlns:a14="http://schemas.microsoft.com/office/drawing/2010/main" xmlns="" w="9525">
+              <a14:hiddenLine xmlns="" xmlns:a14="http://schemas.microsoft.com/office/drawing/2010/main" w="9525">
                 <a:solidFill>
                   <a:srgbClr val="000000"/>
                 </a:solidFill>
@@ -7842,14 +7856,14 @@
           </a:ln>
           <a:extLst>
             <a:ext uri="{909E8E84-426E-40dd-AFC4-6F175D3DCCD1}">
-              <a14:hiddenFill xmlns:a14="http://schemas.microsoft.com/office/drawing/2010/main" xmlns="">
+              <a14:hiddenFill xmlns="" xmlns:a14="http://schemas.microsoft.com/office/drawing/2010/main">
                 <a:solidFill>
                   <a:srgbClr val="FFFFFF"/>
                 </a:solidFill>
               </a14:hiddenFill>
             </a:ext>
             <a:ext uri="{91240B29-F687-4f45-9708-019B960494DF}">
-              <a14:hiddenLine xmlns:a14="http://schemas.microsoft.com/office/drawing/2010/main" xmlns="" w="9525">
+              <a14:hiddenLine xmlns="" xmlns:a14="http://schemas.microsoft.com/office/drawing/2010/main" w="9525">
                 <a:solidFill>
                   <a:srgbClr val="000000"/>
                 </a:solidFill>
@@ -8038,14 +8052,14 @@
           </a:ln>
           <a:extLst>
             <a:ext uri="{909E8E84-426E-40dd-AFC4-6F175D3DCCD1}">
-              <a14:hiddenFill xmlns:a14="http://schemas.microsoft.com/office/drawing/2010/main" xmlns="">
+              <a14:hiddenFill xmlns="" xmlns:a14="http://schemas.microsoft.com/office/drawing/2010/main">
                 <a:solidFill>
                   <a:srgbClr val="FFFFFF"/>
                 </a:solidFill>
               </a14:hiddenFill>
             </a:ext>
             <a:ext uri="{91240B29-F687-4f45-9708-019B960494DF}">
-              <a14:hiddenLine xmlns:a14="http://schemas.microsoft.com/office/drawing/2010/main" xmlns="" w="9525">
+              <a14:hiddenLine xmlns="" xmlns:a14="http://schemas.microsoft.com/office/drawing/2010/main" w="9525">
                 <a:solidFill>
                   <a:srgbClr val="000000"/>
                 </a:solidFill>
@@ -8234,14 +8248,14 @@
           </a:ln>
           <a:extLst>
             <a:ext uri="{909E8E84-426E-40dd-AFC4-6F175D3DCCD1}">
-              <a14:hiddenFill xmlns:a14="http://schemas.microsoft.com/office/drawing/2010/main" xmlns="">
+              <a14:hiddenFill xmlns="" xmlns:a14="http://schemas.microsoft.com/office/drawing/2010/main">
                 <a:solidFill>
                   <a:srgbClr val="FFFFFF"/>
                 </a:solidFill>
               </a14:hiddenFill>
             </a:ext>
             <a:ext uri="{91240B29-F687-4f45-9708-019B960494DF}">
-              <a14:hiddenLine xmlns:a14="http://schemas.microsoft.com/office/drawing/2010/main" xmlns="" w="9525">
+              <a14:hiddenLine xmlns="" xmlns:a14="http://schemas.microsoft.com/office/drawing/2010/main" w="9525">
                 <a:solidFill>
                   <a:srgbClr val="000000"/>
                 </a:solidFill>
@@ -8395,14 +8409,14 @@
           </a:ln>
           <a:extLst>
             <a:ext uri="{909E8E84-426E-40dd-AFC4-6F175D3DCCD1}">
-              <a14:hiddenFill xmlns:a14="http://schemas.microsoft.com/office/drawing/2010/main" xmlns="">
+              <a14:hiddenFill xmlns="" xmlns:a14="http://schemas.microsoft.com/office/drawing/2010/main">
                 <a:solidFill>
                   <a:srgbClr val="FFFFFF"/>
                 </a:solidFill>
               </a14:hiddenFill>
             </a:ext>
             <a:ext uri="{91240B29-F687-4f45-9708-019B960494DF}">
-              <a14:hiddenLine xmlns:a14="http://schemas.microsoft.com/office/drawing/2010/main" xmlns="" w="9525">
+              <a14:hiddenLine xmlns="" xmlns:a14="http://schemas.microsoft.com/office/drawing/2010/main" w="9525">
                 <a:solidFill>
                   <a:srgbClr val="000000"/>
                 </a:solidFill>
@@ -8591,14 +8605,14 @@
           </a:ln>
           <a:extLst>
             <a:ext uri="{909E8E84-426E-40dd-AFC4-6F175D3DCCD1}">
-              <a14:hiddenFill xmlns:a14="http://schemas.microsoft.com/office/drawing/2010/main" xmlns="">
+              <a14:hiddenFill xmlns="" xmlns:a14="http://schemas.microsoft.com/office/drawing/2010/main">
                 <a:solidFill>
                   <a:srgbClr val="FFFFFF"/>
                 </a:solidFill>
               </a14:hiddenFill>
             </a:ext>
             <a:ext uri="{91240B29-F687-4f45-9708-019B960494DF}">
-              <a14:hiddenLine xmlns:a14="http://schemas.microsoft.com/office/drawing/2010/main" xmlns="" w="9525">
+              <a14:hiddenLine xmlns="" xmlns:a14="http://schemas.microsoft.com/office/drawing/2010/main" w="9525">
                 <a:solidFill>
                   <a:srgbClr val="000000"/>
                 </a:solidFill>
@@ -8829,14 +8843,14 @@
           </a:ln>
           <a:extLst>
             <a:ext uri="{909E8E84-426E-40dd-AFC4-6F175D3DCCD1}">
-              <a14:hiddenFill xmlns:a14="http://schemas.microsoft.com/office/drawing/2010/main" xmlns="">
+              <a14:hiddenFill xmlns="" xmlns:a14="http://schemas.microsoft.com/office/drawing/2010/main">
                 <a:solidFill>
                   <a:srgbClr val="FFFFFF"/>
                 </a:solidFill>
               </a14:hiddenFill>
             </a:ext>
             <a:ext uri="{91240B29-F687-4f45-9708-019B960494DF}">
-              <a14:hiddenLine xmlns:a14="http://schemas.microsoft.com/office/drawing/2010/main" xmlns="" w="9525">
+              <a14:hiddenLine xmlns="" xmlns:a14="http://schemas.microsoft.com/office/drawing/2010/main" w="9525">
                 <a:solidFill>
                   <a:srgbClr val="000000"/>
                 </a:solidFill>
@@ -9025,14 +9039,14 @@
           </a:ln>
           <a:extLst>
             <a:ext uri="{909E8E84-426E-40dd-AFC4-6F175D3DCCD1}">
-              <a14:hiddenFill xmlns:a14="http://schemas.microsoft.com/office/drawing/2010/main" xmlns="">
+              <a14:hiddenFill xmlns="" xmlns:a14="http://schemas.microsoft.com/office/drawing/2010/main">
                 <a:solidFill>
                   <a:srgbClr val="FFFFFF"/>
                 </a:solidFill>
               </a14:hiddenFill>
             </a:ext>
             <a:ext uri="{91240B29-F687-4f45-9708-019B960494DF}">
-              <a14:hiddenLine xmlns:a14="http://schemas.microsoft.com/office/drawing/2010/main" xmlns="" w="9525">
+              <a14:hiddenLine xmlns="" xmlns:a14="http://schemas.microsoft.com/office/drawing/2010/main" w="9525">
                 <a:solidFill>
                   <a:srgbClr val="000000"/>
                 </a:solidFill>
@@ -9221,14 +9235,14 @@
           </a:ln>
           <a:extLst>
             <a:ext uri="{909E8E84-426E-40dd-AFC4-6F175D3DCCD1}">
-              <a14:hiddenFill xmlns:a14="http://schemas.microsoft.com/office/drawing/2010/main" xmlns="">
+              <a14:hiddenFill xmlns="" xmlns:a14="http://schemas.microsoft.com/office/drawing/2010/main">
                 <a:solidFill>
                   <a:srgbClr val="FFFFFF"/>
                 </a:solidFill>
               </a14:hiddenFill>
             </a:ext>
             <a:ext uri="{91240B29-F687-4f45-9708-019B960494DF}">
-              <a14:hiddenLine xmlns:a14="http://schemas.microsoft.com/office/drawing/2010/main" xmlns="" w="9525">
+              <a14:hiddenLine xmlns="" xmlns:a14="http://schemas.microsoft.com/office/drawing/2010/main" w="9525">
                 <a:solidFill>
                   <a:srgbClr val="000000"/>
                 </a:solidFill>
@@ -9424,14 +9438,14 @@
           </a:ln>
           <a:extLst>
             <a:ext uri="{909E8E84-426E-40dd-AFC4-6F175D3DCCD1}">
-              <a14:hiddenFill xmlns:a14="http://schemas.microsoft.com/office/drawing/2010/main" xmlns="">
+              <a14:hiddenFill xmlns="" xmlns:a14="http://schemas.microsoft.com/office/drawing/2010/main">
                 <a:solidFill>
                   <a:srgbClr val="FFFFFF"/>
                 </a:solidFill>
               </a14:hiddenFill>
             </a:ext>
             <a:ext uri="{91240B29-F687-4f45-9708-019B960494DF}">
-              <a14:hiddenLine xmlns:a14="http://schemas.microsoft.com/office/drawing/2010/main" xmlns="" w="9525">
+              <a14:hiddenLine xmlns="" xmlns:a14="http://schemas.microsoft.com/office/drawing/2010/main" w="9525">
                 <a:solidFill>
                   <a:srgbClr val="000000"/>
                 </a:solidFill>
@@ -9620,14 +9634,14 @@
           </a:ln>
           <a:extLst>
             <a:ext uri="{909E8E84-426E-40dd-AFC4-6F175D3DCCD1}">
-              <a14:hiddenFill xmlns:a14="http://schemas.microsoft.com/office/drawing/2010/main" xmlns="">
+              <a14:hiddenFill xmlns="" xmlns:a14="http://schemas.microsoft.com/office/drawing/2010/main">
                 <a:solidFill>
                   <a:srgbClr val="FFFFFF"/>
                 </a:solidFill>
               </a14:hiddenFill>
             </a:ext>
             <a:ext uri="{91240B29-F687-4f45-9708-019B960494DF}">
-              <a14:hiddenLine xmlns:a14="http://schemas.microsoft.com/office/drawing/2010/main" xmlns="" w="9525">
+              <a14:hiddenLine xmlns="" xmlns:a14="http://schemas.microsoft.com/office/drawing/2010/main" w="9525">
                 <a:solidFill>
                   <a:srgbClr val="000000"/>
                 </a:solidFill>
@@ -9823,14 +9837,14 @@
           </a:ln>
           <a:extLst>
             <a:ext uri="{909E8E84-426E-40dd-AFC4-6F175D3DCCD1}">
-              <a14:hiddenFill xmlns:a14="http://schemas.microsoft.com/office/drawing/2010/main" xmlns="">
+              <a14:hiddenFill xmlns="" xmlns:a14="http://schemas.microsoft.com/office/drawing/2010/main">
                 <a:solidFill>
                   <a:srgbClr val="FFFFFF"/>
                 </a:solidFill>
               </a14:hiddenFill>
             </a:ext>
             <a:ext uri="{91240B29-F687-4f45-9708-019B960494DF}">
-              <a14:hiddenLine xmlns:a14="http://schemas.microsoft.com/office/drawing/2010/main" xmlns="" w="9525">
+              <a14:hiddenLine xmlns="" xmlns:a14="http://schemas.microsoft.com/office/drawing/2010/main" w="9525">
                 <a:solidFill>
                   <a:srgbClr val="000000"/>
                 </a:solidFill>
@@ -10026,14 +10040,14 @@
           </a:ln>
           <a:extLst>
             <a:ext uri="{909E8E84-426E-40dd-AFC4-6F175D3DCCD1}">
-              <a14:hiddenFill xmlns:a14="http://schemas.microsoft.com/office/drawing/2010/main" xmlns="">
+              <a14:hiddenFill xmlns="" xmlns:a14="http://schemas.microsoft.com/office/drawing/2010/main">
                 <a:solidFill>
                   <a:srgbClr val="FFFFFF"/>
                 </a:solidFill>
               </a14:hiddenFill>
             </a:ext>
             <a:ext uri="{91240B29-F687-4f45-9708-019B960494DF}">
-              <a14:hiddenLine xmlns:a14="http://schemas.microsoft.com/office/drawing/2010/main" xmlns="" w="9525">
+              <a14:hiddenLine xmlns="" xmlns:a14="http://schemas.microsoft.com/office/drawing/2010/main" w="9525">
                 <a:solidFill>
                   <a:srgbClr val="000000"/>
                 </a:solidFill>
@@ -10520,7 +10534,7 @@
           <a:effectLst/>
           <a:extLst>
             <a:ext uri="{909E8E84-426E-40dd-AFC4-6F175D3DCCD1}">
-              <a14:hiddenFill xmlns:a14="http://schemas.microsoft.com/office/drawing/2010/main" xmlns="">
+              <a14:hiddenFill xmlns="" xmlns:a14="http://schemas.microsoft.com/office/drawing/2010/main">
                 <a:blipFill dpi="0" rotWithShape="0">
                   <a:blip/>
                   <a:srcRect/>
@@ -10531,7 +10545,7 @@
               </a14:hiddenFill>
             </a:ext>
             <a:ext uri="{91240B29-F687-4f45-9708-019B960494DF}">
-              <a14:hiddenLine xmlns:a14="http://schemas.microsoft.com/office/drawing/2010/main" xmlns="" w="9525" cap="flat">
+              <a14:hiddenLine xmlns="" xmlns:a14="http://schemas.microsoft.com/office/drawing/2010/main" w="9525" cap="flat">
                 <a:solidFill>
                   <a:srgbClr val="3465A4"/>
                 </a:solidFill>
@@ -10541,7 +10555,7 @@
               </a14:hiddenLine>
             </a:ext>
             <a:ext uri="{AF507438-7753-43e0-B8FC-AC1667EBCBE1}">
-              <a14:hiddenEffects xmlns:a14="http://schemas.microsoft.com/office/drawing/2010/main" xmlns="">
+              <a14:hiddenEffects xmlns="" xmlns:a14="http://schemas.microsoft.com/office/drawing/2010/main">
                 <a:effectLst>
                   <a:outerShdw blurRad="63500" dist="38099" dir="2700000" algn="ctr" rotWithShape="0">
                     <a:srgbClr val="000000">
@@ -10590,7 +10604,7 @@
           <a:effectLst/>
           <a:extLst>
             <a:ext uri="{909E8E84-426E-40dd-AFC4-6F175D3DCCD1}">
-              <a14:hiddenFill xmlns:a14="http://schemas.microsoft.com/office/drawing/2010/main" xmlns="">
+              <a14:hiddenFill xmlns="" xmlns:a14="http://schemas.microsoft.com/office/drawing/2010/main">
                 <a:blipFill dpi="0" rotWithShape="0">
                   <a:blip/>
                   <a:srcRect/>
@@ -10601,7 +10615,7 @@
               </a14:hiddenFill>
             </a:ext>
             <a:ext uri="{91240B29-F687-4f45-9708-019B960494DF}">
-              <a14:hiddenLine xmlns:a14="http://schemas.microsoft.com/office/drawing/2010/main" xmlns="" w="9525" cap="flat">
+              <a14:hiddenLine xmlns="" xmlns:a14="http://schemas.microsoft.com/office/drawing/2010/main" w="9525" cap="flat">
                 <a:solidFill>
                   <a:srgbClr val="3465A4"/>
                 </a:solidFill>
@@ -10611,7 +10625,7 @@
               </a14:hiddenLine>
             </a:ext>
             <a:ext uri="{AF507438-7753-43e0-B8FC-AC1667EBCBE1}">
-              <a14:hiddenEffects xmlns:a14="http://schemas.microsoft.com/office/drawing/2010/main" xmlns="">
+              <a14:hiddenEffects xmlns="" xmlns:a14="http://schemas.microsoft.com/office/drawing/2010/main">
                 <a:effectLst>
                   <a:outerShdw blurRad="63500" dist="38099" dir="2700000" algn="ctr" rotWithShape="0">
                     <a:srgbClr val="000000">
@@ -10652,12 +10666,12 @@
           <a:effectLst/>
           <a:extLst>
             <a:ext uri="{909E8E84-426E-40dd-AFC4-6F175D3DCCD1}">
-              <a14:hiddenFill xmlns:a14="http://schemas.microsoft.com/office/drawing/2010/main" xmlns="">
+              <a14:hiddenFill xmlns="" xmlns:a14="http://schemas.microsoft.com/office/drawing/2010/main">
                 <a:noFill/>
               </a14:hiddenFill>
             </a:ext>
             <a:ext uri="{AF507438-7753-43e0-B8FC-AC1667EBCBE1}">
-              <a14:hiddenEffects xmlns:a14="http://schemas.microsoft.com/office/drawing/2010/main" xmlns="">
+              <a14:hiddenEffects xmlns="" xmlns:a14="http://schemas.microsoft.com/office/drawing/2010/main">
                 <a:effectLst>
                   <a:outerShdw blurRad="63500" dist="38099" dir="2700000" algn="ctr" rotWithShape="0">
                     <a:srgbClr val="000000">
@@ -10700,14 +10714,14 @@
           <a:effectLst/>
           <a:extLst>
             <a:ext uri="{909E8E84-426E-40dd-AFC4-6F175D3DCCD1}">
-              <a14:hiddenFill xmlns:a14="http://schemas.microsoft.com/office/drawing/2010/main" xmlns="">
+              <a14:hiddenFill xmlns="" xmlns:a14="http://schemas.microsoft.com/office/drawing/2010/main">
                 <a:solidFill>
                   <a:srgbClr val="FFFFFF"/>
                 </a:solidFill>
               </a14:hiddenFill>
             </a:ext>
             <a:ext uri="{91240B29-F687-4f45-9708-019B960494DF}">
-              <a14:hiddenLine xmlns:a14="http://schemas.microsoft.com/office/drawing/2010/main" xmlns="" w="9525" cap="flat">
+              <a14:hiddenLine xmlns="" xmlns:a14="http://schemas.microsoft.com/office/drawing/2010/main" w="9525" cap="flat">
                 <a:solidFill>
                   <a:srgbClr val="000000"/>
                 </a:solidFill>
@@ -10717,7 +10731,7 @@
               </a14:hiddenLine>
             </a:ext>
             <a:ext uri="{AF507438-7753-43e0-B8FC-AC1667EBCBE1}">
-              <a14:hiddenEffects xmlns:a14="http://schemas.microsoft.com/office/drawing/2010/main" xmlns="">
+              <a14:hiddenEffects xmlns="" xmlns:a14="http://schemas.microsoft.com/office/drawing/2010/main">
                 <a:effectLst>
                   <a:outerShdw blurRad="63500" dist="38099" dir="2700000" algn="ctr" rotWithShape="0">
                     <a:srgbClr val="000000">
@@ -11033,7 +11047,7 @@
           <a:effectLst/>
           <a:extLst>
             <a:ext uri="{909E8E84-426E-40dd-AFC4-6F175D3DCCD1}">
-              <a14:hiddenFill xmlns:a14="http://schemas.microsoft.com/office/drawing/2010/main" xmlns="">
+              <a14:hiddenFill xmlns="" xmlns:a14="http://schemas.microsoft.com/office/drawing/2010/main">
                 <a:blipFill dpi="0" rotWithShape="0">
                   <a:blip/>
                   <a:srcRect/>
@@ -11044,7 +11058,7 @@
               </a14:hiddenFill>
             </a:ext>
             <a:ext uri="{91240B29-F687-4f45-9708-019B960494DF}">
-              <a14:hiddenLine xmlns:a14="http://schemas.microsoft.com/office/drawing/2010/main" xmlns="" w="9525" cap="flat">
+              <a14:hiddenLine xmlns="" xmlns:a14="http://schemas.microsoft.com/office/drawing/2010/main" w="9525" cap="flat">
                 <a:solidFill>
                   <a:srgbClr val="3465A4"/>
                 </a:solidFill>
@@ -11054,7 +11068,7 @@
               </a14:hiddenLine>
             </a:ext>
             <a:ext uri="{AF507438-7753-43e0-B8FC-AC1667EBCBE1}">
-              <a14:hiddenEffects xmlns:a14="http://schemas.microsoft.com/office/drawing/2010/main" xmlns="">
+              <a14:hiddenEffects xmlns="" xmlns:a14="http://schemas.microsoft.com/office/drawing/2010/main">
                 <a:effectLst>
                   <a:outerShdw blurRad="63500" dist="38099" dir="2700000" algn="ctr" rotWithShape="0">
                     <a:srgbClr val="000000">
@@ -11103,7 +11117,7 @@
           <a:effectLst/>
           <a:extLst>
             <a:ext uri="{909E8E84-426E-40dd-AFC4-6F175D3DCCD1}">
-              <a14:hiddenFill xmlns:a14="http://schemas.microsoft.com/office/drawing/2010/main" xmlns="">
+              <a14:hiddenFill xmlns="" xmlns:a14="http://schemas.microsoft.com/office/drawing/2010/main">
                 <a:blipFill dpi="0" rotWithShape="0">
                   <a:blip/>
                   <a:srcRect/>
@@ -11114,7 +11128,7 @@
               </a14:hiddenFill>
             </a:ext>
             <a:ext uri="{91240B29-F687-4f45-9708-019B960494DF}">
-              <a14:hiddenLine xmlns:a14="http://schemas.microsoft.com/office/drawing/2010/main" xmlns="" w="9525" cap="flat">
+              <a14:hiddenLine xmlns="" xmlns:a14="http://schemas.microsoft.com/office/drawing/2010/main" w="9525" cap="flat">
                 <a:solidFill>
                   <a:srgbClr val="3465A4"/>
                 </a:solidFill>
@@ -11124,7 +11138,7 @@
               </a14:hiddenLine>
             </a:ext>
             <a:ext uri="{AF507438-7753-43e0-B8FC-AC1667EBCBE1}">
-              <a14:hiddenEffects xmlns:a14="http://schemas.microsoft.com/office/drawing/2010/main" xmlns="">
+              <a14:hiddenEffects xmlns="" xmlns:a14="http://schemas.microsoft.com/office/drawing/2010/main">
                 <a:effectLst>
                   <a:outerShdw blurRad="63500" dist="38099" dir="2700000" algn="ctr" rotWithShape="0">
                     <a:srgbClr val="000000">
@@ -11160,14 +11174,14 @@
           <a:effectLst/>
           <a:extLst>
             <a:ext uri="{909E8E84-426E-40dd-AFC4-6F175D3DCCD1}">
-              <a14:hiddenFill xmlns:a14="http://schemas.microsoft.com/office/drawing/2010/main" xmlns="">
+              <a14:hiddenFill xmlns="" xmlns:a14="http://schemas.microsoft.com/office/drawing/2010/main">
                 <a:solidFill>
                   <a:srgbClr val="FFFFFF"/>
                 </a:solidFill>
               </a14:hiddenFill>
             </a:ext>
             <a:ext uri="{91240B29-F687-4f45-9708-019B960494DF}">
-              <a14:hiddenLine xmlns:a14="http://schemas.microsoft.com/office/drawing/2010/main" xmlns="" w="9525" cap="flat">
+              <a14:hiddenLine xmlns="" xmlns:a14="http://schemas.microsoft.com/office/drawing/2010/main" w="9525" cap="flat">
                 <a:solidFill>
                   <a:srgbClr val="000000"/>
                 </a:solidFill>
@@ -11177,7 +11191,7 @@
               </a14:hiddenLine>
             </a:ext>
             <a:ext uri="{AF507438-7753-43e0-B8FC-AC1667EBCBE1}">
-              <a14:hiddenEffects xmlns:a14="http://schemas.microsoft.com/office/drawing/2010/main" xmlns="">
+              <a14:hiddenEffects xmlns="" xmlns:a14="http://schemas.microsoft.com/office/drawing/2010/main">
                 <a:effectLst>
                   <a:outerShdw blurRad="63500" dist="38099" dir="2700000" algn="ctr" rotWithShape="0">
                     <a:srgbClr val="000000">
@@ -11499,14 +11513,14 @@
           <a:effectLst/>
           <a:extLst>
             <a:ext uri="{909E8E84-426E-40dd-AFC4-6F175D3DCCD1}">
-              <a14:hiddenFill xmlns:a14="http://schemas.microsoft.com/office/drawing/2010/main" xmlns="">
+              <a14:hiddenFill xmlns="" xmlns:a14="http://schemas.microsoft.com/office/drawing/2010/main">
                 <a:solidFill>
                   <a:srgbClr val="FFFFFF"/>
                 </a:solidFill>
               </a14:hiddenFill>
             </a:ext>
             <a:ext uri="{91240B29-F687-4f45-9708-019B960494DF}">
-              <a14:hiddenLine xmlns:a14="http://schemas.microsoft.com/office/drawing/2010/main" xmlns="" w="9525" cap="flat">
+              <a14:hiddenLine xmlns="" xmlns:a14="http://schemas.microsoft.com/office/drawing/2010/main" w="9525" cap="flat">
                 <a:solidFill>
                   <a:srgbClr val="000000"/>
                 </a:solidFill>
@@ -11516,7 +11530,7 @@
               </a14:hiddenLine>
             </a:ext>
             <a:ext uri="{AF507438-7753-43e0-B8FC-AC1667EBCBE1}">
-              <a14:hiddenEffects xmlns:a14="http://schemas.microsoft.com/office/drawing/2010/main" xmlns="">
+              <a14:hiddenEffects xmlns="" xmlns:a14="http://schemas.microsoft.com/office/drawing/2010/main">
                 <a:effectLst>
                   <a:outerShdw blurRad="63500" dist="38099" dir="2700000" algn="ctr" rotWithShape="0">
                     <a:srgbClr val="000000">
@@ -11958,7 +11972,7 @@
           <a:effectLst/>
           <a:extLst>
             <a:ext uri="{909E8E84-426E-40dd-AFC4-6F175D3DCCD1}">
-              <a14:hiddenFill xmlns="" xmlns:a14="http://schemas.microsoft.com/office/drawing/2010/main">
+              <a14:hiddenFill xmlns:a14="http://schemas.microsoft.com/office/drawing/2010/main" xmlns="">
                 <a:blipFill dpi="0" rotWithShape="0">
                   <a:blip/>
                   <a:srcRect/>
@@ -11969,7 +11983,7 @@
               </a14:hiddenFill>
             </a:ext>
             <a:ext uri="{91240B29-F687-4f45-9708-019B960494DF}">
-              <a14:hiddenLine xmlns="" xmlns:a14="http://schemas.microsoft.com/office/drawing/2010/main" w="9525" cap="flat">
+              <a14:hiddenLine xmlns:a14="http://schemas.microsoft.com/office/drawing/2010/main" xmlns="" w="9525" cap="flat">
                 <a:solidFill>
                   <a:srgbClr val="3465A4"/>
                 </a:solidFill>
@@ -11979,7 +11993,7 @@
               </a14:hiddenLine>
             </a:ext>
             <a:ext uri="{AF507438-7753-43e0-B8FC-AC1667EBCBE1}">
-              <a14:hiddenEffects xmlns="" xmlns:a14="http://schemas.microsoft.com/office/drawing/2010/main">
+              <a14:hiddenEffects xmlns:a14="http://schemas.microsoft.com/office/drawing/2010/main" xmlns="">
                 <a:effectLst>
                   <a:outerShdw blurRad="63500" dist="38099" dir="2700000" algn="ctr" rotWithShape="0">
                     <a:srgbClr val="000000">
@@ -12310,7 +12324,7 @@
           <a:effectLst/>
           <a:extLst>
             <a:ext uri="{909E8E84-426E-40dd-AFC4-6F175D3DCCD1}">
-              <a14:hiddenFill xmlns="" xmlns:a14="http://schemas.microsoft.com/office/drawing/2010/main">
+              <a14:hiddenFill xmlns:a14="http://schemas.microsoft.com/office/drawing/2010/main" xmlns="">
                 <a:blipFill dpi="0" rotWithShape="0">
                   <a:blip/>
                   <a:srcRect/>
@@ -12321,7 +12335,7 @@
               </a14:hiddenFill>
             </a:ext>
             <a:ext uri="{91240B29-F687-4f45-9708-019B960494DF}">
-              <a14:hiddenLine xmlns="" xmlns:a14="http://schemas.microsoft.com/office/drawing/2010/main" w="9525" cap="flat">
+              <a14:hiddenLine xmlns:a14="http://schemas.microsoft.com/office/drawing/2010/main" xmlns="" w="9525" cap="flat">
                 <a:solidFill>
                   <a:srgbClr val="3465A4"/>
                 </a:solidFill>
@@ -12331,7 +12345,7 @@
               </a14:hiddenLine>
             </a:ext>
             <a:ext uri="{AF507438-7753-43e0-B8FC-AC1667EBCBE1}">
-              <a14:hiddenEffects xmlns="" xmlns:a14="http://schemas.microsoft.com/office/drawing/2010/main">
+              <a14:hiddenEffects xmlns:a14="http://schemas.microsoft.com/office/drawing/2010/main" xmlns="">
                 <a:effectLst>
                   <a:outerShdw blurRad="63500" dist="38099" dir="2700000" algn="ctr" rotWithShape="0">
                     <a:srgbClr val="000000">
@@ -12373,14 +12387,14 @@
           <a:effectLst/>
           <a:extLst>
             <a:ext uri="{909E8E84-426E-40dd-AFC4-6F175D3DCCD1}">
-              <a14:hiddenFill xmlns="" xmlns:a14="http://schemas.microsoft.com/office/drawing/2010/main">
+              <a14:hiddenFill xmlns:a14="http://schemas.microsoft.com/office/drawing/2010/main" xmlns="">
                 <a:solidFill>
                   <a:srgbClr val="FFFFFF"/>
                 </a:solidFill>
               </a14:hiddenFill>
             </a:ext>
             <a:ext uri="{91240B29-F687-4f45-9708-019B960494DF}">
-              <a14:hiddenLine xmlns="" xmlns:a14="http://schemas.microsoft.com/office/drawing/2010/main" w="9525" cap="flat">
+              <a14:hiddenLine xmlns:a14="http://schemas.microsoft.com/office/drawing/2010/main" xmlns="" w="9525" cap="flat">
                 <a:solidFill>
                   <a:srgbClr val="3465A4"/>
                 </a:solidFill>
@@ -12390,7 +12404,7 @@
               </a14:hiddenLine>
             </a:ext>
             <a:ext uri="{AF507438-7753-43e0-B8FC-AC1667EBCBE1}">
-              <a14:hiddenEffects xmlns="" xmlns:a14="http://schemas.microsoft.com/office/drawing/2010/main">
+              <a14:hiddenEffects xmlns:a14="http://schemas.microsoft.com/office/drawing/2010/main" xmlns="">
                 <a:effectLst>
                   <a:outerShdw blurRad="63500" dist="38099" dir="2700000" algn="ctr" rotWithShape="0">
                     <a:srgbClr val="000000">
